--- a/figures/png/TextMining.pptx
+++ b/figures/png/TextMining.pptx
@@ -2629,9 +2629,9 @@
         <p:grpSpPr>
           <a:xfrm>
             <a:off x="471170" y="2080260"/>
-            <a:ext cx="10694670" cy="2890520"/>
+            <a:ext cx="10681335" cy="2890520"/>
             <a:chOff x="742" y="3276"/>
-            <a:chExt cx="16842" cy="4552"/>
+            <a:chExt cx="16821" cy="4552"/>
           </a:xfrm>
         </p:grpSpPr>
         <p:sp>
@@ -2668,10 +2668,10 @@
             <a:p>
               <a:pPr algn="ctr"/>
               <a:r>
-                <a:rPr lang="en-US" altLang="zh-CN"/>
+                <a:rPr lang="en-US" altLang="zh-CN" sz="2400" b="1"/>
                 <a:t>Search Engine</a:t>
               </a:r>
-              <a:endParaRPr lang="en-US" altLang="zh-CN"/>
+              <a:endParaRPr lang="en-US" altLang="zh-CN" sz="2400" b="1"/>
             </a:p>
           </p:txBody>
         </p:sp>
@@ -2709,18 +2709,18 @@
             <a:p>
               <a:pPr algn="ctr"/>
               <a:r>
-                <a:rPr lang="en-US" altLang="zh-CN"/>
+                <a:rPr lang="en-US" altLang="zh-CN" b="1"/>
                 <a:t>Labeled Short Texts</a:t>
               </a:r>
-              <a:endParaRPr lang="en-US" altLang="zh-CN"/>
+              <a:endParaRPr lang="en-US" altLang="zh-CN" b="1"/>
             </a:p>
             <a:p>
               <a:pPr algn="ctr"/>
               <a:r>
-                <a:rPr lang="en-US" altLang="zh-CN"/>
+                <a:rPr lang="en-US" altLang="zh-CN" b="1"/>
                 <a:t>Build Reversed Index </a:t>
               </a:r>
-              <a:endParaRPr lang="en-US" altLang="zh-CN"/>
+              <a:endParaRPr lang="en-US" altLang="zh-CN" b="1"/>
             </a:p>
           </p:txBody>
         </p:sp>
@@ -2758,10 +2758,10 @@
             <a:p>
               <a:pPr algn="ctr"/>
               <a:r>
-                <a:rPr lang="en-US" altLang="zh-CN"/>
+                <a:rPr lang="en-US" altLang="zh-CN" sz="2400" b="1"/>
                 <a:t>Short text</a:t>
               </a:r>
-              <a:endParaRPr lang="en-US" altLang="zh-CN"/>
+              <a:endParaRPr lang="en-US" altLang="zh-CN" sz="2400" b="1"/>
             </a:p>
           </p:txBody>
         </p:sp>
@@ -2773,7 +2773,7 @@
           </p:nvSpPr>
           <p:spPr>
             <a:xfrm>
-              <a:off x="13076" y="6388"/>
+              <a:off x="12836" y="6388"/>
               <a:ext cx="4487" cy="1440"/>
             </a:xfrm>
             <a:prstGeom prst="rect">
@@ -2799,10 +2799,10 @@
             <a:p>
               <a:pPr algn="ctr"/>
               <a:r>
-                <a:rPr lang="en-US" altLang="zh-CN"/>
+                <a:rPr lang="en-US" altLang="zh-CN" sz="2400" b="1"/>
                 <a:t>KNN</a:t>
               </a:r>
-              <a:endParaRPr lang="en-US" altLang="zh-CN"/>
+              <a:endParaRPr lang="en-US" altLang="zh-CN" sz="2400" b="1"/>
             </a:p>
           </p:txBody>
         </p:sp>
@@ -2818,7 +2818,7 @@
           <p:spPr>
             <a:xfrm>
               <a:off x="11361" y="7108"/>
-              <a:ext cx="1715" cy="0"/>
+              <a:ext cx="1475" cy="0"/>
             </a:xfrm>
             <a:prstGeom prst="straightConnector1">
               <a:avLst/>
@@ -2845,13 +2845,16 @@
         <p:cxnSp>
           <p:nvCxnSpPr>
             <p:cNvPr id="11" name="直接箭头连接符 10"/>
-            <p:cNvCxnSpPr/>
+            <p:cNvCxnSpPr>
+              <a:stCxn id="9" idx="0"/>
+              <a:endCxn id="12" idx="2"/>
+            </p:cNvCxnSpPr>
             <p:nvPr/>
           </p:nvCxnSpPr>
           <p:spPr>
             <a:xfrm flipV="1">
-              <a:off x="15326" y="5293"/>
-              <a:ext cx="28" cy="1095"/>
+              <a:off x="15080" y="5293"/>
+              <a:ext cx="0" cy="1095"/>
             </a:xfrm>
             <a:prstGeom prst="straightConnector1">
               <a:avLst/>
@@ -2883,8 +2886,8 @@
           </p:nvSpPr>
           <p:spPr>
             <a:xfrm>
-              <a:off x="13097" y="3853"/>
-              <a:ext cx="4487" cy="1440"/>
+              <a:off x="12596" y="3853"/>
+              <a:ext cx="4967" cy="1440"/>
             </a:xfrm>
             <a:prstGeom prst="rect">
               <a:avLst/>
@@ -2909,10 +2912,10 @@
             <a:p>
               <a:pPr algn="ctr"/>
               <a:r>
-                <a:rPr lang="en-US" altLang="zh-CN"/>
+                <a:rPr lang="en-US" altLang="zh-CN" sz="2400" b="1"/>
                 <a:t>Customer/Server Label</a:t>
               </a:r>
-              <a:endParaRPr lang="en-US" altLang="zh-CN"/>
+              <a:endParaRPr lang="en-US" altLang="zh-CN" sz="2400" b="1"/>
             </a:p>
           </p:txBody>
         </p:sp>
